--- a/music moves/Breaks (BRE)/ger_BRE_01_wenn_nichts_tun_mehr_bringt.pptx
+++ b/music moves/Breaks (BRE)/ger_BRE_01_wenn_nichts_tun_mehr_bringt.pptx
@@ -1574,7 +1574,19 @@
             </a:r>
             <a:r>
               <a:rPr lang="de-DE" dirty="0"/>
-              <a:t>lernt, braucht man Zeit um das Neue zu verarbeiten.</a:t>
+              <a:t>lernt, braucht man Zeit </a:t>
+            </a:r>
+            <a:r>
+              <a:rPr lang="de-DE"/>
+              <a:t>um </a:t>
+            </a:r>
+            <a:r>
+              <a:rPr lang="de-DE" smtClean="0"/>
+              <a:t>es zu </a:t>
+            </a:r>
+            <a:r>
+              <a:rPr lang="de-DE" dirty="0"/>
+              <a:t>verarbeiten.</a:t>
             </a:r>
           </a:p>
           <a:p>
@@ -1717,11 +1729,11 @@
               <a:t>geht und die Länge der Pause, die Du dazwischen gemacht </a:t>
             </a:r>
             <a:r>
-              <a:rPr lang="de-DE" smtClean="0"/>
+              <a:rPr lang="de-DE" dirty="0" smtClean="0"/>
               <a:t>hast</a:t>
             </a:r>
             <a:r>
-              <a:rPr lang="de-DE" smtClean="0"/>
+              <a:rPr lang="de-DE" dirty="0" smtClean="0"/>
               <a:t>.</a:t>
             </a:r>
             <a:endParaRPr lang="de-DE" dirty="0" smtClean="0"/>
